--- a/RayTracing.pptx
+++ b/RayTracing.pptx
@@ -17,6 +17,16 @@
     <p:sldId id="264" r:id="rId11"/>
     <p:sldId id="266" r:id="rId12"/>
     <p:sldId id="267" r:id="rId13"/>
+    <p:sldId id="268" r:id="rId14"/>
+    <p:sldId id="269" r:id="rId15"/>
+    <p:sldId id="270" r:id="rId16"/>
+    <p:sldId id="271" r:id="rId17"/>
+    <p:sldId id="272" r:id="rId18"/>
+    <p:sldId id="273" r:id="rId19"/>
+    <p:sldId id="274" r:id="rId20"/>
+    <p:sldId id="275" r:id="rId21"/>
+    <p:sldId id="276" r:id="rId22"/>
+    <p:sldId id="277" r:id="rId23"/>
   </p:sldIdLst>
   <p:sldSz cx="12192000" cy="6858000"/>
   <p:notesSz cx="6858000" cy="9144000"/>
@@ -270,7 +280,7 @@
           <a:p>
             <a:fld id="{D81EB6E1-3F5B-C546-9642-FE1D17A41142}" type="datetimeFigureOut">
               <a:rPr lang="en-US" smtClean="0"/>
-              <a:t>12/31/21</a:t>
+              <a:t>1/1/22</a:t>
             </a:fld>
             <a:endParaRPr lang="en-US"/>
           </a:p>
@@ -468,7 +478,7 @@
           <a:p>
             <a:fld id="{D81EB6E1-3F5B-C546-9642-FE1D17A41142}" type="datetimeFigureOut">
               <a:rPr lang="en-US" smtClean="0"/>
-              <a:t>12/31/21</a:t>
+              <a:t>1/1/22</a:t>
             </a:fld>
             <a:endParaRPr lang="en-US"/>
           </a:p>
@@ -676,7 +686,7 @@
           <a:p>
             <a:fld id="{D81EB6E1-3F5B-C546-9642-FE1D17A41142}" type="datetimeFigureOut">
               <a:rPr lang="en-US" smtClean="0"/>
-              <a:t>12/31/21</a:t>
+              <a:t>1/1/22</a:t>
             </a:fld>
             <a:endParaRPr lang="en-US"/>
           </a:p>
@@ -874,7 +884,7 @@
           <a:p>
             <a:fld id="{D81EB6E1-3F5B-C546-9642-FE1D17A41142}" type="datetimeFigureOut">
               <a:rPr lang="en-US" smtClean="0"/>
-              <a:t>12/31/21</a:t>
+              <a:t>1/1/22</a:t>
             </a:fld>
             <a:endParaRPr lang="en-US"/>
           </a:p>
@@ -1149,7 +1159,7 @@
           <a:p>
             <a:fld id="{D81EB6E1-3F5B-C546-9642-FE1D17A41142}" type="datetimeFigureOut">
               <a:rPr lang="en-US" smtClean="0"/>
-              <a:t>12/31/21</a:t>
+              <a:t>1/1/22</a:t>
             </a:fld>
             <a:endParaRPr lang="en-US"/>
           </a:p>
@@ -1414,7 +1424,7 @@
           <a:p>
             <a:fld id="{D81EB6E1-3F5B-C546-9642-FE1D17A41142}" type="datetimeFigureOut">
               <a:rPr lang="en-US" smtClean="0"/>
-              <a:t>12/31/21</a:t>
+              <a:t>1/1/22</a:t>
             </a:fld>
             <a:endParaRPr lang="en-US"/>
           </a:p>
@@ -1826,7 +1836,7 @@
           <a:p>
             <a:fld id="{D81EB6E1-3F5B-C546-9642-FE1D17A41142}" type="datetimeFigureOut">
               <a:rPr lang="en-US" smtClean="0"/>
-              <a:t>12/31/21</a:t>
+              <a:t>1/1/22</a:t>
             </a:fld>
             <a:endParaRPr lang="en-US"/>
           </a:p>
@@ -1967,7 +1977,7 @@
           <a:p>
             <a:fld id="{D81EB6E1-3F5B-C546-9642-FE1D17A41142}" type="datetimeFigureOut">
               <a:rPr lang="en-US" smtClean="0"/>
-              <a:t>12/31/21</a:t>
+              <a:t>1/1/22</a:t>
             </a:fld>
             <a:endParaRPr lang="en-US"/>
           </a:p>
@@ -2080,7 +2090,7 @@
           <a:p>
             <a:fld id="{D81EB6E1-3F5B-C546-9642-FE1D17A41142}" type="datetimeFigureOut">
               <a:rPr lang="en-US" smtClean="0"/>
-              <a:t>12/31/21</a:t>
+              <a:t>1/1/22</a:t>
             </a:fld>
             <a:endParaRPr lang="en-US"/>
           </a:p>
@@ -2391,7 +2401,7 @@
           <a:p>
             <a:fld id="{D81EB6E1-3F5B-C546-9642-FE1D17A41142}" type="datetimeFigureOut">
               <a:rPr lang="en-US" smtClean="0"/>
-              <a:t>12/31/21</a:t>
+              <a:t>1/1/22</a:t>
             </a:fld>
             <a:endParaRPr lang="en-US"/>
           </a:p>
@@ -2679,7 +2689,7 @@
           <a:p>
             <a:fld id="{D81EB6E1-3F5B-C546-9642-FE1D17A41142}" type="datetimeFigureOut">
               <a:rPr lang="en-US" smtClean="0"/>
-              <a:t>12/31/21</a:t>
+              <a:t>1/1/22</a:t>
             </a:fld>
             <a:endParaRPr lang="en-US"/>
           </a:p>
@@ -2920,7 +2930,7 @@
           <a:p>
             <a:fld id="{D81EB6E1-3F5B-C546-9642-FE1D17A41142}" type="datetimeFigureOut">
               <a:rPr lang="en-US" smtClean="0"/>
-              <a:t>12/31/21</a:t>
+              <a:t>1/1/22</a:t>
             </a:fld>
             <a:endParaRPr lang="en-US"/>
           </a:p>
@@ -4163,6 +4173,1264 @@
 </p:sld>
 </file>
 
+<file path=ppt/slides/slide13.xml><?xml version="1.0" encoding="utf-8"?>
+<p:sld xmlns:a="http://schemas.openxmlformats.org/drawingml/2006/main" xmlns:r="http://schemas.openxmlformats.org/officeDocument/2006/relationships" xmlns:p="http://schemas.openxmlformats.org/presentationml/2006/main">
+  <p:cSld>
+    <p:spTree>
+      <p:nvGrpSpPr>
+        <p:cNvPr id="1" name=""/>
+        <p:cNvGrpSpPr/>
+        <p:nvPr/>
+      </p:nvGrpSpPr>
+      <p:grpSpPr>
+        <a:xfrm>
+          <a:off x="0" y="0"/>
+          <a:ext cx="0" cy="0"/>
+          <a:chOff x="0" y="0"/>
+          <a:chExt cx="0" cy="0"/>
+        </a:xfrm>
+      </p:grpSpPr>
+      <p:sp>
+        <p:nvSpPr>
+          <p:cNvPr id="2" name="Title 1">
+            <a:extLst>
+              <a:ext uri="{FF2B5EF4-FFF2-40B4-BE49-F238E27FC236}">
+                <a16:creationId xmlns:a16="http://schemas.microsoft.com/office/drawing/2014/main" id="{6B266C58-CE3B-FA40-A64A-263BEC88F41D}"/>
+              </a:ext>
+            </a:extLst>
+          </p:cNvPr>
+          <p:cNvSpPr>
+            <a:spLocks noGrp="1"/>
+          </p:cNvSpPr>
+          <p:nvPr>
+            <p:ph type="title"/>
+          </p:nvPr>
+        </p:nvSpPr>
+        <p:spPr/>
+        <p:txBody>
+          <a:bodyPr/>
+          <a:lstStyle/>
+          <a:p>
+            <a:r>
+              <a:rPr lang="en-US" dirty="0"/>
+              <a:t>Add </a:t>
+            </a:r>
+            <a:r>
+              <a:rPr lang="en-US" dirty="0" err="1"/>
+              <a:t>hittable_list</a:t>
+            </a:r>
+            <a:endParaRPr lang="en-US" dirty="0"/>
+          </a:p>
+        </p:txBody>
+      </p:sp>
+      <p:pic>
+        <p:nvPicPr>
+          <p:cNvPr id="5" name="Content Placeholder 4">
+            <a:extLst>
+              <a:ext uri="{FF2B5EF4-FFF2-40B4-BE49-F238E27FC236}">
+                <a16:creationId xmlns:a16="http://schemas.microsoft.com/office/drawing/2014/main" id="{F6EDB286-590A-4E4C-B0AA-10EFDE314613}"/>
+              </a:ext>
+            </a:extLst>
+          </p:cNvPr>
+          <p:cNvPicPr>
+            <a:picLocks noGrp="1" noChangeAspect="1"/>
+          </p:cNvPicPr>
+          <p:nvPr>
+            <p:ph idx="1"/>
+          </p:nvPr>
+        </p:nvPicPr>
+        <p:blipFill>
+          <a:blip r:embed="rId2"/>
+          <a:stretch>
+            <a:fillRect/>
+          </a:stretch>
+        </p:blipFill>
+        <p:spPr>
+          <a:xfrm>
+            <a:off x="838200" y="1517475"/>
+            <a:ext cx="7530885" cy="2655679"/>
+          </a:xfrm>
+        </p:spPr>
+      </p:pic>
+      <p:pic>
+        <p:nvPicPr>
+          <p:cNvPr id="7" name="Picture 6">
+            <a:extLst>
+              <a:ext uri="{FF2B5EF4-FFF2-40B4-BE49-F238E27FC236}">
+                <a16:creationId xmlns:a16="http://schemas.microsoft.com/office/drawing/2014/main" id="{28408B89-93EA-C542-857D-9314DD2C19E8}"/>
+              </a:ext>
+            </a:extLst>
+          </p:cNvPr>
+          <p:cNvPicPr>
+            <a:picLocks noChangeAspect="1"/>
+          </p:cNvPicPr>
+          <p:nvPr/>
+        </p:nvPicPr>
+        <p:blipFill>
+          <a:blip r:embed="rId3"/>
+          <a:stretch>
+            <a:fillRect/>
+          </a:stretch>
+        </p:blipFill>
+        <p:spPr>
+          <a:xfrm>
+            <a:off x="838200" y="4373858"/>
+            <a:ext cx="8356600" cy="1612900"/>
+          </a:xfrm>
+          <a:prstGeom prst="rect">
+            <a:avLst/>
+          </a:prstGeom>
+        </p:spPr>
+      </p:pic>
+      <p:pic>
+        <p:nvPicPr>
+          <p:cNvPr id="9" name="Picture 8">
+            <a:extLst>
+              <a:ext uri="{FF2B5EF4-FFF2-40B4-BE49-F238E27FC236}">
+                <a16:creationId xmlns:a16="http://schemas.microsoft.com/office/drawing/2014/main" id="{CCB350A0-1424-FB47-86D9-E795F2EB9B4A}"/>
+              </a:ext>
+            </a:extLst>
+          </p:cNvPr>
+          <p:cNvPicPr>
+            <a:picLocks noChangeAspect="1"/>
+          </p:cNvPicPr>
+          <p:nvPr/>
+        </p:nvPicPr>
+        <p:blipFill>
+          <a:blip r:embed="rId4"/>
+          <a:stretch>
+            <a:fillRect/>
+          </a:stretch>
+        </p:blipFill>
+        <p:spPr>
+          <a:xfrm>
+            <a:off x="8525708" y="4501343"/>
+            <a:ext cx="3344752" cy="1991532"/>
+          </a:xfrm>
+          <a:prstGeom prst="rect">
+            <a:avLst/>
+          </a:prstGeom>
+        </p:spPr>
+      </p:pic>
+    </p:spTree>
+    <p:extLst>
+      <p:ext uri="{BB962C8B-B14F-4D97-AF65-F5344CB8AC3E}">
+        <p14:creationId xmlns:p14="http://schemas.microsoft.com/office/powerpoint/2010/main" val="384113601"/>
+      </p:ext>
+    </p:extLst>
+  </p:cSld>
+  <p:clrMapOvr>
+    <a:masterClrMapping/>
+  </p:clrMapOvr>
+</p:sld>
+</file>
+
+<file path=ppt/slides/slide14.xml><?xml version="1.0" encoding="utf-8"?>
+<p:sld xmlns:a="http://schemas.openxmlformats.org/drawingml/2006/main" xmlns:r="http://schemas.openxmlformats.org/officeDocument/2006/relationships" xmlns:p="http://schemas.openxmlformats.org/presentationml/2006/main">
+  <p:cSld>
+    <p:spTree>
+      <p:nvGrpSpPr>
+        <p:cNvPr id="1" name=""/>
+        <p:cNvGrpSpPr/>
+        <p:nvPr/>
+      </p:nvGrpSpPr>
+      <p:grpSpPr>
+        <a:xfrm>
+          <a:off x="0" y="0"/>
+          <a:ext cx="0" cy="0"/>
+          <a:chOff x="0" y="0"/>
+          <a:chExt cx="0" cy="0"/>
+        </a:xfrm>
+      </p:grpSpPr>
+      <p:sp>
+        <p:nvSpPr>
+          <p:cNvPr id="2" name="Title 1">
+            <a:extLst>
+              <a:ext uri="{FF2B5EF4-FFF2-40B4-BE49-F238E27FC236}">
+                <a16:creationId xmlns:a16="http://schemas.microsoft.com/office/drawing/2014/main" id="{87586EFE-9B62-594E-A2E6-E2F003FDA177}"/>
+              </a:ext>
+            </a:extLst>
+          </p:cNvPr>
+          <p:cNvSpPr>
+            <a:spLocks noGrp="1"/>
+          </p:cNvSpPr>
+          <p:nvPr>
+            <p:ph type="title"/>
+          </p:nvPr>
+        </p:nvSpPr>
+        <p:spPr/>
+        <p:txBody>
+          <a:bodyPr/>
+          <a:lstStyle/>
+          <a:p>
+            <a:r>
+              <a:rPr lang="en-US" dirty="0"/>
+              <a:t>Antialiasing</a:t>
+            </a:r>
+          </a:p>
+        </p:txBody>
+      </p:sp>
+      <p:sp>
+        <p:nvSpPr>
+          <p:cNvPr id="3" name="Content Placeholder 2">
+            <a:extLst>
+              <a:ext uri="{FF2B5EF4-FFF2-40B4-BE49-F238E27FC236}">
+                <a16:creationId xmlns:a16="http://schemas.microsoft.com/office/drawing/2014/main" id="{53C610D8-2F0A-E14B-B309-B3CE636F8CDB}"/>
+              </a:ext>
+            </a:extLst>
+          </p:cNvPr>
+          <p:cNvSpPr>
+            <a:spLocks noGrp="1"/>
+          </p:cNvSpPr>
+          <p:nvPr>
+            <p:ph idx="1"/>
+          </p:nvPr>
+        </p:nvSpPr>
+        <p:spPr/>
+        <p:txBody>
+          <a:bodyPr/>
+          <a:lstStyle/>
+          <a:p>
+            <a:r>
+              <a:rPr lang="en-US" dirty="0"/>
+              <a:t>Real camera: no jaggies along edges because the edge pixels are a blend of some foreground and some background.</a:t>
+            </a:r>
+          </a:p>
+          <a:p>
+            <a:r>
+              <a:rPr lang="en-US" dirty="0"/>
+              <a:t>=&gt; averaging a bunch of samples inside each pixel</a:t>
+            </a:r>
+          </a:p>
+          <a:p>
+            <a:r>
+              <a:rPr lang="en-US" dirty="0"/>
+              <a:t>Canonical random number 0 &lt;= r &lt; 1</a:t>
+            </a:r>
+          </a:p>
+          <a:p>
+            <a:r>
+              <a:rPr lang="en-US" dirty="0"/>
+              <a:t>=&gt; use rand() in &lt;</a:t>
+            </a:r>
+            <a:r>
+              <a:rPr lang="en-US" dirty="0" err="1"/>
+              <a:t>cstdlib</a:t>
+            </a:r>
+            <a:r>
+              <a:rPr lang="en-US" dirty="0"/>
+              <a:t>&gt; returns a random integer 0, RAND_MAX</a:t>
+            </a:r>
+          </a:p>
+        </p:txBody>
+      </p:sp>
+      <p:pic>
+        <p:nvPicPr>
+          <p:cNvPr id="7" name="Picture 6">
+            <a:extLst>
+              <a:ext uri="{FF2B5EF4-FFF2-40B4-BE49-F238E27FC236}">
+                <a16:creationId xmlns:a16="http://schemas.microsoft.com/office/drawing/2014/main" id="{7B329995-EF7C-114D-AC23-73CB3ACD7B26}"/>
+              </a:ext>
+            </a:extLst>
+          </p:cNvPr>
+          <p:cNvPicPr>
+            <a:picLocks noChangeAspect="1"/>
+          </p:cNvPicPr>
+          <p:nvPr/>
+        </p:nvPicPr>
+        <p:blipFill>
+          <a:blip r:embed="rId2"/>
+          <a:stretch>
+            <a:fillRect/>
+          </a:stretch>
+        </p:blipFill>
+        <p:spPr>
+          <a:xfrm>
+            <a:off x="1291848" y="4196234"/>
+            <a:ext cx="5604897" cy="2296641"/>
+          </a:xfrm>
+          <a:prstGeom prst="rect">
+            <a:avLst/>
+          </a:prstGeom>
+        </p:spPr>
+      </p:pic>
+    </p:spTree>
+    <p:extLst>
+      <p:ext uri="{BB962C8B-B14F-4D97-AF65-F5344CB8AC3E}">
+        <p14:creationId xmlns:p14="http://schemas.microsoft.com/office/powerpoint/2010/main" val="3835581852"/>
+      </p:ext>
+    </p:extLst>
+  </p:cSld>
+  <p:clrMapOvr>
+    <a:masterClrMapping/>
+  </p:clrMapOvr>
+</p:sld>
+</file>
+
+<file path=ppt/slides/slide15.xml><?xml version="1.0" encoding="utf-8"?>
+<p:sld xmlns:a="http://schemas.openxmlformats.org/drawingml/2006/main" xmlns:r="http://schemas.openxmlformats.org/officeDocument/2006/relationships" xmlns:p="http://schemas.openxmlformats.org/presentationml/2006/main">
+  <p:cSld>
+    <p:spTree>
+      <p:nvGrpSpPr>
+        <p:cNvPr id="1" name=""/>
+        <p:cNvGrpSpPr/>
+        <p:nvPr/>
+      </p:nvGrpSpPr>
+      <p:grpSpPr>
+        <a:xfrm>
+          <a:off x="0" y="0"/>
+          <a:ext cx="0" cy="0"/>
+          <a:chOff x="0" y="0"/>
+          <a:chExt cx="0" cy="0"/>
+        </a:xfrm>
+      </p:grpSpPr>
+      <p:sp>
+        <p:nvSpPr>
+          <p:cNvPr id="2" name="Title 1">
+            <a:extLst>
+              <a:ext uri="{FF2B5EF4-FFF2-40B4-BE49-F238E27FC236}">
+                <a16:creationId xmlns:a16="http://schemas.microsoft.com/office/drawing/2014/main" id="{8DFEF223-4B72-2A47-8DC1-7F7C4C4DDFB9}"/>
+              </a:ext>
+            </a:extLst>
+          </p:cNvPr>
+          <p:cNvSpPr>
+            <a:spLocks noGrp="1"/>
+          </p:cNvSpPr>
+          <p:nvPr>
+            <p:ph type="title"/>
+          </p:nvPr>
+        </p:nvSpPr>
+        <p:spPr/>
+        <p:txBody>
+          <a:bodyPr/>
+          <a:lstStyle/>
+          <a:p>
+            <a:r>
+              <a:rPr lang="en-US" dirty="0"/>
+              <a:t>Add camera class</a:t>
+            </a:r>
+          </a:p>
+        </p:txBody>
+      </p:sp>
+      <p:pic>
+        <p:nvPicPr>
+          <p:cNvPr id="5" name="Content Placeholder 4">
+            <a:extLst>
+              <a:ext uri="{FF2B5EF4-FFF2-40B4-BE49-F238E27FC236}">
+                <a16:creationId xmlns:a16="http://schemas.microsoft.com/office/drawing/2014/main" id="{F62A1BC3-9CE9-944C-871F-6283F45BB780}"/>
+              </a:ext>
+            </a:extLst>
+          </p:cNvPr>
+          <p:cNvPicPr>
+            <a:picLocks noGrp="1" noChangeAspect="1"/>
+          </p:cNvPicPr>
+          <p:nvPr>
+            <p:ph idx="1"/>
+          </p:nvPr>
+        </p:nvPicPr>
+        <p:blipFill>
+          <a:blip r:embed="rId2"/>
+          <a:stretch>
+            <a:fillRect/>
+          </a:stretch>
+        </p:blipFill>
+        <p:spPr>
+          <a:xfrm>
+            <a:off x="838200" y="1317074"/>
+            <a:ext cx="4989163" cy="3516389"/>
+          </a:xfrm>
+        </p:spPr>
+      </p:pic>
+      <p:sp>
+        <p:nvSpPr>
+          <p:cNvPr id="7" name="Content Placeholder 2">
+            <a:extLst>
+              <a:ext uri="{FF2B5EF4-FFF2-40B4-BE49-F238E27FC236}">
+                <a16:creationId xmlns:a16="http://schemas.microsoft.com/office/drawing/2014/main" id="{15A15E7A-3EE5-614F-80F6-9D8A38DB1534}"/>
+              </a:ext>
+            </a:extLst>
+          </p:cNvPr>
+          <p:cNvSpPr txBox="1">
+            <a:spLocks/>
+          </p:cNvSpPr>
+          <p:nvPr/>
+        </p:nvSpPr>
+        <p:spPr>
+          <a:xfrm>
+            <a:off x="838200" y="1825625"/>
+            <a:ext cx="10515600" cy="4351338"/>
+          </a:xfrm>
+          <a:prstGeom prst="rect">
+            <a:avLst/>
+          </a:prstGeom>
+        </p:spPr>
+        <p:txBody>
+          <a:bodyPr vert="horz" lIns="91440" tIns="45720" rIns="91440" bIns="45720" rtlCol="0">
+            <a:normAutofit/>
+          </a:bodyPr>
+          <a:lstStyle>
+            <a:lvl1pPr marL="228600" indent="-228600" algn="l" defTabSz="914400" rtl="0" eaLnBrk="1" latinLnBrk="0" hangingPunct="1">
+              <a:lnSpc>
+                <a:spcPct val="90000"/>
+              </a:lnSpc>
+              <a:spcBef>
+                <a:spcPts val="1000"/>
+              </a:spcBef>
+              <a:buFont typeface="Arial" panose="020B0604020202020204" pitchFamily="34" charset="0"/>
+              <a:buChar char="•"/>
+              <a:defRPr sz="2800" kern="1200">
+                <a:solidFill>
+                  <a:schemeClr val="tx1"/>
+                </a:solidFill>
+                <a:latin typeface="+mn-lt"/>
+                <a:ea typeface="+mn-ea"/>
+                <a:cs typeface="+mn-cs"/>
+              </a:defRPr>
+            </a:lvl1pPr>
+            <a:lvl2pPr marL="685800" indent="-228600" algn="l" defTabSz="914400" rtl="0" eaLnBrk="1" latinLnBrk="0" hangingPunct="1">
+              <a:lnSpc>
+                <a:spcPct val="90000"/>
+              </a:lnSpc>
+              <a:spcBef>
+                <a:spcPts val="500"/>
+              </a:spcBef>
+              <a:buFont typeface="Arial" panose="020B0604020202020204" pitchFamily="34" charset="0"/>
+              <a:buChar char="•"/>
+              <a:defRPr sz="2400" kern="1200">
+                <a:solidFill>
+                  <a:schemeClr val="tx1"/>
+                </a:solidFill>
+                <a:latin typeface="+mn-lt"/>
+                <a:ea typeface="+mn-ea"/>
+                <a:cs typeface="+mn-cs"/>
+              </a:defRPr>
+            </a:lvl2pPr>
+            <a:lvl3pPr marL="1143000" indent="-228600" algn="l" defTabSz="914400" rtl="0" eaLnBrk="1" latinLnBrk="0" hangingPunct="1">
+              <a:lnSpc>
+                <a:spcPct val="90000"/>
+              </a:lnSpc>
+              <a:spcBef>
+                <a:spcPts val="500"/>
+              </a:spcBef>
+              <a:buFont typeface="Arial" panose="020B0604020202020204" pitchFamily="34" charset="0"/>
+              <a:buChar char="•"/>
+              <a:defRPr sz="2000" kern="1200">
+                <a:solidFill>
+                  <a:schemeClr val="tx1"/>
+                </a:solidFill>
+                <a:latin typeface="+mn-lt"/>
+                <a:ea typeface="+mn-ea"/>
+                <a:cs typeface="+mn-cs"/>
+              </a:defRPr>
+            </a:lvl3pPr>
+            <a:lvl4pPr marL="1600200" indent="-228600" algn="l" defTabSz="914400" rtl="0" eaLnBrk="1" latinLnBrk="0" hangingPunct="1">
+              <a:lnSpc>
+                <a:spcPct val="90000"/>
+              </a:lnSpc>
+              <a:spcBef>
+                <a:spcPts val="500"/>
+              </a:spcBef>
+              <a:buFont typeface="Arial" panose="020B0604020202020204" pitchFamily="34" charset="0"/>
+              <a:buChar char="•"/>
+              <a:defRPr sz="1800" kern="1200">
+                <a:solidFill>
+                  <a:schemeClr val="tx1"/>
+                </a:solidFill>
+                <a:latin typeface="+mn-lt"/>
+                <a:ea typeface="+mn-ea"/>
+                <a:cs typeface="+mn-cs"/>
+              </a:defRPr>
+            </a:lvl4pPr>
+            <a:lvl5pPr marL="2057400" indent="-228600" algn="l" defTabSz="914400" rtl="0" eaLnBrk="1" latinLnBrk="0" hangingPunct="1">
+              <a:lnSpc>
+                <a:spcPct val="90000"/>
+              </a:lnSpc>
+              <a:spcBef>
+                <a:spcPts val="500"/>
+              </a:spcBef>
+              <a:buFont typeface="Arial" panose="020B0604020202020204" pitchFamily="34" charset="0"/>
+              <a:buChar char="•"/>
+              <a:defRPr sz="1800" kern="1200">
+                <a:solidFill>
+                  <a:schemeClr val="tx1"/>
+                </a:solidFill>
+                <a:latin typeface="+mn-lt"/>
+                <a:ea typeface="+mn-ea"/>
+                <a:cs typeface="+mn-cs"/>
+              </a:defRPr>
+            </a:lvl5pPr>
+            <a:lvl6pPr marL="2514600" indent="-228600" algn="l" defTabSz="914400" rtl="0" eaLnBrk="1" latinLnBrk="0" hangingPunct="1">
+              <a:lnSpc>
+                <a:spcPct val="90000"/>
+              </a:lnSpc>
+              <a:spcBef>
+                <a:spcPts val="500"/>
+              </a:spcBef>
+              <a:buFont typeface="Arial" panose="020B0604020202020204" pitchFamily="34" charset="0"/>
+              <a:buChar char="•"/>
+              <a:defRPr sz="1800" kern="1200">
+                <a:solidFill>
+                  <a:schemeClr val="tx1"/>
+                </a:solidFill>
+                <a:latin typeface="+mn-lt"/>
+                <a:ea typeface="+mn-ea"/>
+                <a:cs typeface="+mn-cs"/>
+              </a:defRPr>
+            </a:lvl6pPr>
+            <a:lvl7pPr marL="2971800" indent="-228600" algn="l" defTabSz="914400" rtl="0" eaLnBrk="1" latinLnBrk="0" hangingPunct="1">
+              <a:lnSpc>
+                <a:spcPct val="90000"/>
+              </a:lnSpc>
+              <a:spcBef>
+                <a:spcPts val="500"/>
+              </a:spcBef>
+              <a:buFont typeface="Arial" panose="020B0604020202020204" pitchFamily="34" charset="0"/>
+              <a:buChar char="•"/>
+              <a:defRPr sz="1800" kern="1200">
+                <a:solidFill>
+                  <a:schemeClr val="tx1"/>
+                </a:solidFill>
+                <a:latin typeface="+mn-lt"/>
+                <a:ea typeface="+mn-ea"/>
+                <a:cs typeface="+mn-cs"/>
+              </a:defRPr>
+            </a:lvl7pPr>
+            <a:lvl8pPr marL="3429000" indent="-228600" algn="l" defTabSz="914400" rtl="0" eaLnBrk="1" latinLnBrk="0" hangingPunct="1">
+              <a:lnSpc>
+                <a:spcPct val="90000"/>
+              </a:lnSpc>
+              <a:spcBef>
+                <a:spcPts val="500"/>
+              </a:spcBef>
+              <a:buFont typeface="Arial" panose="020B0604020202020204" pitchFamily="34" charset="0"/>
+              <a:buChar char="•"/>
+              <a:defRPr sz="1800" kern="1200">
+                <a:solidFill>
+                  <a:schemeClr val="tx1"/>
+                </a:solidFill>
+                <a:latin typeface="+mn-lt"/>
+                <a:ea typeface="+mn-ea"/>
+                <a:cs typeface="+mn-cs"/>
+              </a:defRPr>
+            </a:lvl8pPr>
+            <a:lvl9pPr marL="3886200" indent="-228600" algn="l" defTabSz="914400" rtl="0" eaLnBrk="1" latinLnBrk="0" hangingPunct="1">
+              <a:lnSpc>
+                <a:spcPct val="90000"/>
+              </a:lnSpc>
+              <a:spcBef>
+                <a:spcPts val="500"/>
+              </a:spcBef>
+              <a:buFont typeface="Arial" panose="020B0604020202020204" pitchFamily="34" charset="0"/>
+              <a:buChar char="•"/>
+              <a:defRPr sz="1800" kern="1200">
+                <a:solidFill>
+                  <a:schemeClr val="tx1"/>
+                </a:solidFill>
+                <a:latin typeface="+mn-lt"/>
+                <a:ea typeface="+mn-ea"/>
+                <a:cs typeface="+mn-cs"/>
+              </a:defRPr>
+            </a:lvl9pPr>
+          </a:lstStyle>
+          <a:p>
+            <a:endParaRPr lang="en-US" dirty="0"/>
+          </a:p>
+          <a:p>
+            <a:endParaRPr lang="en-US" dirty="0"/>
+          </a:p>
+          <a:p>
+            <a:endParaRPr lang="en-US" dirty="0"/>
+          </a:p>
+          <a:p>
+            <a:endParaRPr lang="en-US" dirty="0"/>
+          </a:p>
+          <a:p>
+            <a:endParaRPr lang="en-US" dirty="0"/>
+          </a:p>
+          <a:p>
+            <a:endParaRPr lang="en-US" dirty="0"/>
+          </a:p>
+          <a:p>
+            <a:r>
+              <a:rPr lang="en-US" dirty="0" err="1"/>
+              <a:t>Write_color</a:t>
+            </a:r>
+            <a:r>
+              <a:rPr lang="en-US" dirty="0"/>
+              <a:t>: add the full color each iteration, and then perform a single divide at the end (by the number of samples) when writing out the color</a:t>
+            </a:r>
+          </a:p>
+        </p:txBody>
+      </p:sp>
+      <p:pic>
+        <p:nvPicPr>
+          <p:cNvPr id="9" name="Picture 8">
+            <a:extLst>
+              <a:ext uri="{FF2B5EF4-FFF2-40B4-BE49-F238E27FC236}">
+                <a16:creationId xmlns:a16="http://schemas.microsoft.com/office/drawing/2014/main" id="{70EF0AB8-C8F1-FA48-9711-D877D878A966}"/>
+              </a:ext>
+            </a:extLst>
+          </p:cNvPr>
+          <p:cNvPicPr>
+            <a:picLocks noChangeAspect="1"/>
+          </p:cNvPicPr>
+          <p:nvPr/>
+        </p:nvPicPr>
+        <p:blipFill>
+          <a:blip r:embed="rId3"/>
+          <a:stretch>
+            <a:fillRect/>
+          </a:stretch>
+        </p:blipFill>
+        <p:spPr>
+          <a:xfrm>
+            <a:off x="6096000" y="3549620"/>
+            <a:ext cx="6205242" cy="1283843"/>
+          </a:xfrm>
+          <a:prstGeom prst="rect">
+            <a:avLst/>
+          </a:prstGeom>
+        </p:spPr>
+      </p:pic>
+    </p:spTree>
+    <p:extLst>
+      <p:ext uri="{BB962C8B-B14F-4D97-AF65-F5344CB8AC3E}">
+        <p14:creationId xmlns:p14="http://schemas.microsoft.com/office/powerpoint/2010/main" val="1045664668"/>
+      </p:ext>
+    </p:extLst>
+  </p:cSld>
+  <p:clrMapOvr>
+    <a:masterClrMapping/>
+  </p:clrMapOvr>
+</p:sld>
+</file>
+
+<file path=ppt/slides/slide16.xml><?xml version="1.0" encoding="utf-8"?>
+<p:sld xmlns:a="http://schemas.openxmlformats.org/drawingml/2006/main" xmlns:r="http://schemas.openxmlformats.org/officeDocument/2006/relationships" xmlns:p="http://schemas.openxmlformats.org/presentationml/2006/main">
+  <p:cSld>
+    <p:spTree>
+      <p:nvGrpSpPr>
+        <p:cNvPr id="1" name=""/>
+        <p:cNvGrpSpPr/>
+        <p:nvPr/>
+      </p:nvGrpSpPr>
+      <p:grpSpPr>
+        <a:xfrm>
+          <a:off x="0" y="0"/>
+          <a:ext cx="0" cy="0"/>
+          <a:chOff x="0" y="0"/>
+          <a:chExt cx="0" cy="0"/>
+        </a:xfrm>
+      </p:grpSpPr>
+      <p:sp>
+        <p:nvSpPr>
+          <p:cNvPr id="2" name="Title 1">
+            <a:extLst>
+              <a:ext uri="{FF2B5EF4-FFF2-40B4-BE49-F238E27FC236}">
+                <a16:creationId xmlns:a16="http://schemas.microsoft.com/office/drawing/2014/main" id="{F0617509-B4A4-4649-9741-40A554423AC7}"/>
+              </a:ext>
+            </a:extLst>
+          </p:cNvPr>
+          <p:cNvSpPr>
+            <a:spLocks noGrp="1"/>
+          </p:cNvSpPr>
+          <p:nvPr>
+            <p:ph type="title"/>
+          </p:nvPr>
+        </p:nvSpPr>
+        <p:spPr/>
+        <p:txBody>
+          <a:bodyPr/>
+          <a:lstStyle/>
+          <a:p>
+            <a:r>
+              <a:rPr lang="en-US" dirty="0"/>
+              <a:t>Add samples</a:t>
+            </a:r>
+          </a:p>
+        </p:txBody>
+      </p:sp>
+      <p:pic>
+        <p:nvPicPr>
+          <p:cNvPr id="5" name="Content Placeholder 4">
+            <a:extLst>
+              <a:ext uri="{FF2B5EF4-FFF2-40B4-BE49-F238E27FC236}">
+                <a16:creationId xmlns:a16="http://schemas.microsoft.com/office/drawing/2014/main" id="{92CC96EB-6CDF-0840-84AC-0D78F8E8A82C}"/>
+              </a:ext>
+            </a:extLst>
+          </p:cNvPr>
+          <p:cNvPicPr>
+            <a:picLocks noGrp="1" noChangeAspect="1"/>
+          </p:cNvPicPr>
+          <p:nvPr>
+            <p:ph idx="1"/>
+          </p:nvPr>
+        </p:nvPicPr>
+        <p:blipFill>
+          <a:blip r:embed="rId2"/>
+          <a:stretch>
+            <a:fillRect/>
+          </a:stretch>
+        </p:blipFill>
+        <p:spPr>
+          <a:xfrm>
+            <a:off x="838200" y="1380789"/>
+            <a:ext cx="7887346" cy="3101008"/>
+          </a:xfrm>
+        </p:spPr>
+      </p:pic>
+      <p:pic>
+        <p:nvPicPr>
+          <p:cNvPr id="7" name="Picture 6">
+            <a:extLst>
+              <a:ext uri="{FF2B5EF4-FFF2-40B4-BE49-F238E27FC236}">
+                <a16:creationId xmlns:a16="http://schemas.microsoft.com/office/drawing/2014/main" id="{F5AB5B6B-9E0C-9546-85C3-6060DB78B244}"/>
+              </a:ext>
+            </a:extLst>
+          </p:cNvPr>
+          <p:cNvPicPr>
+            <a:picLocks noChangeAspect="1"/>
+          </p:cNvPicPr>
+          <p:nvPr/>
+        </p:nvPicPr>
+        <p:blipFill>
+          <a:blip r:embed="rId3"/>
+          <a:stretch>
+            <a:fillRect/>
+          </a:stretch>
+        </p:blipFill>
+        <p:spPr>
+          <a:xfrm>
+            <a:off x="4781873" y="535270"/>
+            <a:ext cx="5905500" cy="787400"/>
+          </a:xfrm>
+          <a:prstGeom prst="rect">
+            <a:avLst/>
+          </a:prstGeom>
+        </p:spPr>
+      </p:pic>
+      <p:pic>
+        <p:nvPicPr>
+          <p:cNvPr id="9" name="Picture 8">
+            <a:extLst>
+              <a:ext uri="{FF2B5EF4-FFF2-40B4-BE49-F238E27FC236}">
+                <a16:creationId xmlns:a16="http://schemas.microsoft.com/office/drawing/2014/main" id="{043C7565-D44B-904F-B11C-D90BE02E3FFE}"/>
+              </a:ext>
+            </a:extLst>
+          </p:cNvPr>
+          <p:cNvPicPr>
+            <a:picLocks noChangeAspect="1"/>
+          </p:cNvPicPr>
+          <p:nvPr/>
+        </p:nvPicPr>
+        <p:blipFill>
+          <a:blip r:embed="rId4"/>
+          <a:stretch>
+            <a:fillRect/>
+          </a:stretch>
+        </p:blipFill>
+        <p:spPr>
+          <a:xfrm>
+            <a:off x="6366622" y="4160832"/>
+            <a:ext cx="5103595" cy="2743662"/>
+          </a:xfrm>
+          <a:prstGeom prst="rect">
+            <a:avLst/>
+          </a:prstGeom>
+        </p:spPr>
+      </p:pic>
+    </p:spTree>
+    <p:extLst>
+      <p:ext uri="{BB962C8B-B14F-4D97-AF65-F5344CB8AC3E}">
+        <p14:creationId xmlns:p14="http://schemas.microsoft.com/office/powerpoint/2010/main" val="3496990709"/>
+      </p:ext>
+    </p:extLst>
+  </p:cSld>
+  <p:clrMapOvr>
+    <a:masterClrMapping/>
+  </p:clrMapOvr>
+</p:sld>
+</file>
+
+<file path=ppt/slides/slide17.xml><?xml version="1.0" encoding="utf-8"?>
+<p:sld xmlns:a="http://schemas.openxmlformats.org/drawingml/2006/main" xmlns:r="http://schemas.openxmlformats.org/officeDocument/2006/relationships" xmlns:p="http://schemas.openxmlformats.org/presentationml/2006/main">
+  <p:cSld>
+    <p:spTree>
+      <p:nvGrpSpPr>
+        <p:cNvPr id="1" name=""/>
+        <p:cNvGrpSpPr/>
+        <p:nvPr/>
+      </p:nvGrpSpPr>
+      <p:grpSpPr>
+        <a:xfrm>
+          <a:off x="0" y="0"/>
+          <a:ext cx="0" cy="0"/>
+          <a:chOff x="0" y="0"/>
+          <a:chExt cx="0" cy="0"/>
+        </a:xfrm>
+      </p:grpSpPr>
+      <p:sp>
+        <p:nvSpPr>
+          <p:cNvPr id="2" name="Title 1">
+            <a:extLst>
+              <a:ext uri="{FF2B5EF4-FFF2-40B4-BE49-F238E27FC236}">
+                <a16:creationId xmlns:a16="http://schemas.microsoft.com/office/drawing/2014/main" id="{07F06C3E-6933-3C46-A3C4-A1DD1E5A3FEC}"/>
+              </a:ext>
+            </a:extLst>
+          </p:cNvPr>
+          <p:cNvSpPr>
+            <a:spLocks noGrp="1"/>
+          </p:cNvSpPr>
+          <p:nvPr>
+            <p:ph type="title"/>
+          </p:nvPr>
+        </p:nvSpPr>
+        <p:spPr/>
+        <p:txBody>
+          <a:bodyPr/>
+          <a:lstStyle/>
+          <a:p>
+            <a:r>
+              <a:rPr lang="en-US" dirty="0"/>
+              <a:t>Diffuse Materials</a:t>
+            </a:r>
+          </a:p>
+        </p:txBody>
+      </p:sp>
+      <p:sp>
+        <p:nvSpPr>
+          <p:cNvPr id="3" name="Content Placeholder 2">
+            <a:extLst>
+              <a:ext uri="{FF2B5EF4-FFF2-40B4-BE49-F238E27FC236}">
+                <a16:creationId xmlns:a16="http://schemas.microsoft.com/office/drawing/2014/main" id="{BC9FA9BC-4FAE-7945-9FEC-CF653BA34127}"/>
+              </a:ext>
+            </a:extLst>
+          </p:cNvPr>
+          <p:cNvSpPr>
+            <a:spLocks noGrp="1"/>
+          </p:cNvSpPr>
+          <p:nvPr>
+            <p:ph idx="1"/>
+          </p:nvPr>
+        </p:nvSpPr>
+        <p:spPr/>
+        <p:txBody>
+          <a:bodyPr/>
+          <a:lstStyle/>
+          <a:p>
+            <a:r>
+              <a:rPr lang="en-US" dirty="0"/>
+              <a:t>take on the color of their surroundings, but they modulate that with their own intrinsic color</a:t>
+            </a:r>
+          </a:p>
+          <a:p>
+            <a:r>
+              <a:rPr lang="en-US" dirty="0"/>
+              <a:t>Light that reflects off a diffuse surface has its direction randomized</a:t>
+            </a:r>
+          </a:p>
+        </p:txBody>
+      </p:sp>
+      <p:pic>
+        <p:nvPicPr>
+          <p:cNvPr id="5" name="Picture 4">
+            <a:extLst>
+              <a:ext uri="{FF2B5EF4-FFF2-40B4-BE49-F238E27FC236}">
+                <a16:creationId xmlns:a16="http://schemas.microsoft.com/office/drawing/2014/main" id="{CD671F9D-ECB6-634E-AEEE-9C25EDF5355D}"/>
+              </a:ext>
+            </a:extLst>
+          </p:cNvPr>
+          <p:cNvPicPr>
+            <a:picLocks noChangeAspect="1"/>
+          </p:cNvPicPr>
+          <p:nvPr/>
+        </p:nvPicPr>
+        <p:blipFill>
+          <a:blip r:embed="rId2"/>
+          <a:stretch>
+            <a:fillRect/>
+          </a:stretch>
+        </p:blipFill>
+        <p:spPr>
+          <a:xfrm>
+            <a:off x="1109899" y="3123124"/>
+            <a:ext cx="5530369" cy="3188776"/>
+          </a:xfrm>
+          <a:prstGeom prst="rect">
+            <a:avLst/>
+          </a:prstGeom>
+        </p:spPr>
+      </p:pic>
+    </p:spTree>
+    <p:extLst>
+      <p:ext uri="{BB962C8B-B14F-4D97-AF65-F5344CB8AC3E}">
+        <p14:creationId xmlns:p14="http://schemas.microsoft.com/office/powerpoint/2010/main" val="847753781"/>
+      </p:ext>
+    </p:extLst>
+  </p:cSld>
+  <p:clrMapOvr>
+    <a:masterClrMapping/>
+  </p:clrMapOvr>
+</p:sld>
+</file>
+
+<file path=ppt/slides/slide18.xml><?xml version="1.0" encoding="utf-8"?>
+<p:sld xmlns:a="http://schemas.openxmlformats.org/drawingml/2006/main" xmlns:r="http://schemas.openxmlformats.org/officeDocument/2006/relationships" xmlns:p="http://schemas.openxmlformats.org/presentationml/2006/main">
+  <p:cSld>
+    <p:spTree>
+      <p:nvGrpSpPr>
+        <p:cNvPr id="1" name=""/>
+        <p:cNvGrpSpPr/>
+        <p:nvPr/>
+      </p:nvGrpSpPr>
+      <p:grpSpPr>
+        <a:xfrm>
+          <a:off x="0" y="0"/>
+          <a:ext cx="0" cy="0"/>
+          <a:chOff x="0" y="0"/>
+          <a:chExt cx="0" cy="0"/>
+        </a:xfrm>
+      </p:grpSpPr>
+      <p:sp>
+        <p:nvSpPr>
+          <p:cNvPr id="2" name="Title 1">
+            <a:extLst>
+              <a:ext uri="{FF2B5EF4-FFF2-40B4-BE49-F238E27FC236}">
+                <a16:creationId xmlns:a16="http://schemas.microsoft.com/office/drawing/2014/main" id="{5DDE5C6C-2A3A-FC46-8B6C-AB3E758B983B}"/>
+              </a:ext>
+            </a:extLst>
+          </p:cNvPr>
+          <p:cNvSpPr>
+            <a:spLocks noGrp="1"/>
+          </p:cNvSpPr>
+          <p:nvPr>
+            <p:ph type="title"/>
+          </p:nvPr>
+        </p:nvSpPr>
+        <p:spPr/>
+        <p:txBody>
+          <a:bodyPr/>
+          <a:lstStyle/>
+          <a:p>
+            <a:r>
+              <a:rPr lang="en-US" dirty="0"/>
+              <a:t>Diffuse Materials</a:t>
+            </a:r>
+          </a:p>
+        </p:txBody>
+      </p:sp>
+      <p:sp>
+        <p:nvSpPr>
+          <p:cNvPr id="3" name="Content Placeholder 2">
+            <a:extLst>
+              <a:ext uri="{FF2B5EF4-FFF2-40B4-BE49-F238E27FC236}">
+                <a16:creationId xmlns:a16="http://schemas.microsoft.com/office/drawing/2014/main" id="{549F2D2D-9EFE-A14C-A52C-02858DCA53F5}"/>
+              </a:ext>
+            </a:extLst>
+          </p:cNvPr>
+          <p:cNvSpPr>
+            <a:spLocks noGrp="1"/>
+          </p:cNvSpPr>
+          <p:nvPr>
+            <p:ph idx="1"/>
+          </p:nvPr>
+        </p:nvSpPr>
+        <p:spPr/>
+        <p:txBody>
+          <a:bodyPr/>
+          <a:lstStyle/>
+          <a:p>
+            <a:r>
+              <a:rPr lang="en-US" dirty="0"/>
+              <a:t>Also absorbed. The darker the surface, the more likely absorption is.</a:t>
+            </a:r>
+          </a:p>
+          <a:p>
+            <a:r>
+              <a:rPr lang="en-US" dirty="0"/>
+              <a:t>algorithm randomizes direction will produce surfaces that look matte</a:t>
+            </a:r>
+          </a:p>
+          <a:p>
+            <a:r>
+              <a:rPr lang="en-US" dirty="0"/>
+              <a:t>The sphere with a center at (</a:t>
+            </a:r>
+            <a:r>
+              <a:rPr lang="en-US" b="1" dirty="0"/>
+              <a:t>𝐏</a:t>
+            </a:r>
+            <a:r>
+              <a:rPr lang="en-US" dirty="0"/>
+              <a:t>−</a:t>
+            </a:r>
+            <a:r>
+              <a:rPr lang="en-US" b="1" dirty="0"/>
+              <a:t>𝐧</a:t>
+            </a:r>
+            <a:r>
+              <a:rPr lang="en-US" dirty="0"/>
+              <a:t>) is considered </a:t>
+            </a:r>
+          </a:p>
+          <a:p>
+            <a:pPr marL="0" indent="0">
+              <a:buNone/>
+            </a:pPr>
+            <a:r>
+              <a:rPr lang="en-US" i="1" dirty="0"/>
+              <a:t>inside</a:t>
+            </a:r>
+            <a:r>
+              <a:rPr lang="en-US" dirty="0"/>
+              <a:t> the surface, whereas the sphere with </a:t>
+            </a:r>
+          </a:p>
+          <a:p>
+            <a:pPr marL="0" indent="0">
+              <a:buNone/>
+            </a:pPr>
+            <a:r>
+              <a:rPr lang="en-US" dirty="0"/>
+              <a:t>center (</a:t>
+            </a:r>
+            <a:r>
+              <a:rPr lang="en-US" b="1" dirty="0"/>
+              <a:t>𝐏</a:t>
+            </a:r>
+            <a:r>
+              <a:rPr lang="en-US" dirty="0"/>
+              <a:t>+</a:t>
+            </a:r>
+            <a:r>
+              <a:rPr lang="en-US" b="1" dirty="0"/>
+              <a:t>𝐧</a:t>
+            </a:r>
+            <a:r>
+              <a:rPr lang="en-US" dirty="0"/>
+              <a:t>) is considered </a:t>
+            </a:r>
+            <a:r>
+              <a:rPr lang="en-US" i="1" dirty="0"/>
+              <a:t>outside</a:t>
+            </a:r>
+            <a:r>
+              <a:rPr lang="en-US" dirty="0"/>
+              <a:t> the surface.</a:t>
+            </a:r>
+          </a:p>
+          <a:p>
+            <a:pPr>
+              <a:buFontTx/>
+              <a:buChar char="-"/>
+            </a:pPr>
+            <a:r>
+              <a:rPr lang="en-US" dirty="0"/>
+              <a:t>Select radius on the same side as the ray origin</a:t>
+            </a:r>
+          </a:p>
+          <a:p>
+            <a:pPr>
+              <a:buFontTx/>
+              <a:buChar char="-"/>
+            </a:pPr>
+            <a:r>
+              <a:rPr lang="en-US" dirty="0"/>
+              <a:t>Pick random </a:t>
+            </a:r>
+            <a:r>
+              <a:rPr lang="en-US" b="1" dirty="0"/>
+              <a:t>S</a:t>
+            </a:r>
+            <a:r>
+              <a:rPr lang="en-US" dirty="0"/>
+              <a:t> inside this unit radius.</a:t>
+            </a:r>
+          </a:p>
+        </p:txBody>
+      </p:sp>
+      <p:pic>
+        <p:nvPicPr>
+          <p:cNvPr id="1026" name="Picture 2">
+            <a:extLst>
+              <a:ext uri="{FF2B5EF4-FFF2-40B4-BE49-F238E27FC236}">
+                <a16:creationId xmlns:a16="http://schemas.microsoft.com/office/drawing/2014/main" id="{42810289-DA82-4645-BBA4-68570EF55918}"/>
+              </a:ext>
+            </a:extLst>
+          </p:cNvPr>
+          <p:cNvPicPr>
+            <a:picLocks noChangeAspect="1" noChangeArrowheads="1"/>
+          </p:cNvPicPr>
+          <p:nvPr/>
+        </p:nvPicPr>
+        <p:blipFill>
+          <a:blip r:embed="rId2">
+            <a:extLst>
+              <a:ext uri="{28A0092B-C50C-407E-A947-70E740481C1C}">
+                <a14:useLocalDpi xmlns:a14="http://schemas.microsoft.com/office/drawing/2010/main" val="0"/>
+              </a:ext>
+            </a:extLst>
+          </a:blip>
+          <a:srcRect/>
+          <a:stretch>
+            <a:fillRect/>
+          </a:stretch>
+        </p:blipFill>
+        <p:spPr bwMode="auto">
+          <a:xfrm>
+            <a:off x="8247791" y="2918383"/>
+            <a:ext cx="3313946" cy="3815631"/>
+          </a:xfrm>
+          <a:prstGeom prst="rect">
+            <a:avLst/>
+          </a:prstGeom>
+          <a:noFill/>
+          <a:extLst>
+            <a:ext uri="{909E8E84-426E-40DD-AFC4-6F175D3DCCD1}">
+              <a14:hiddenFill xmlns:a14="http://schemas.microsoft.com/office/drawing/2010/main">
+                <a:solidFill>
+                  <a:srgbClr val="FFFFFF"/>
+                </a:solidFill>
+              </a14:hiddenFill>
+            </a:ext>
+          </a:extLst>
+        </p:spPr>
+      </p:pic>
+    </p:spTree>
+    <p:extLst>
+      <p:ext uri="{BB962C8B-B14F-4D97-AF65-F5344CB8AC3E}">
+        <p14:creationId xmlns:p14="http://schemas.microsoft.com/office/powerpoint/2010/main" val="261571535"/>
+      </p:ext>
+    </p:extLst>
+  </p:cSld>
+  <p:clrMapOvr>
+    <a:masterClrMapping/>
+  </p:clrMapOvr>
+</p:sld>
+</file>
+
+<file path=ppt/slides/slide19.xml><?xml version="1.0" encoding="utf-8"?>
+<p:sld xmlns:a="http://schemas.openxmlformats.org/drawingml/2006/main" xmlns:r="http://schemas.openxmlformats.org/officeDocument/2006/relationships" xmlns:p="http://schemas.openxmlformats.org/presentationml/2006/main">
+  <p:cSld>
+    <p:spTree>
+      <p:nvGrpSpPr>
+        <p:cNvPr id="1" name=""/>
+        <p:cNvGrpSpPr/>
+        <p:nvPr/>
+      </p:nvGrpSpPr>
+      <p:grpSpPr>
+        <a:xfrm>
+          <a:off x="0" y="0"/>
+          <a:ext cx="0" cy="0"/>
+          <a:chOff x="0" y="0"/>
+          <a:chExt cx="0" cy="0"/>
+        </a:xfrm>
+      </p:grpSpPr>
+      <p:sp>
+        <p:nvSpPr>
+          <p:cNvPr id="2" name="Title 1">
+            <a:extLst>
+              <a:ext uri="{FF2B5EF4-FFF2-40B4-BE49-F238E27FC236}">
+                <a16:creationId xmlns:a16="http://schemas.microsoft.com/office/drawing/2014/main" id="{321A8BAB-C7CE-A34B-A6A7-B0E1F89FFE97}"/>
+              </a:ext>
+            </a:extLst>
+          </p:cNvPr>
+          <p:cNvSpPr>
+            <a:spLocks noGrp="1"/>
+          </p:cNvSpPr>
+          <p:nvPr>
+            <p:ph type="title"/>
+          </p:nvPr>
+        </p:nvSpPr>
+        <p:spPr/>
+        <p:txBody>
+          <a:bodyPr/>
+          <a:lstStyle/>
+          <a:p>
+            <a:r>
+              <a:rPr lang="en-US" dirty="0"/>
+              <a:t>Pick random S.</a:t>
+            </a:r>
+          </a:p>
+        </p:txBody>
+      </p:sp>
+      <p:sp>
+        <p:nvSpPr>
+          <p:cNvPr id="3" name="Content Placeholder 2">
+            <a:extLst>
+              <a:ext uri="{FF2B5EF4-FFF2-40B4-BE49-F238E27FC236}">
+                <a16:creationId xmlns:a16="http://schemas.microsoft.com/office/drawing/2014/main" id="{28A70909-8A5E-E749-8D26-B0CA982C7E51}"/>
+              </a:ext>
+            </a:extLst>
+          </p:cNvPr>
+          <p:cNvSpPr>
+            <a:spLocks noGrp="1"/>
+          </p:cNvSpPr>
+          <p:nvPr>
+            <p:ph idx="1"/>
+          </p:nvPr>
+        </p:nvSpPr>
+        <p:spPr/>
+        <p:txBody>
+          <a:bodyPr/>
+          <a:lstStyle/>
+          <a:p>
+            <a:r>
+              <a:rPr lang="en-US" dirty="0"/>
+              <a:t>Rejection method:</a:t>
+            </a:r>
+          </a:p>
+          <a:p>
+            <a:r>
+              <a:rPr lang="en-US" dirty="0"/>
+              <a:t>First, pick a random point in the unit cube where x, y, and z all range from −1 to +1. Reject this point and try again if the point is outside the sphere.</a:t>
+            </a:r>
+          </a:p>
+        </p:txBody>
+      </p:sp>
+      <p:pic>
+        <p:nvPicPr>
+          <p:cNvPr id="5" name="Picture 4">
+            <a:extLst>
+              <a:ext uri="{FF2B5EF4-FFF2-40B4-BE49-F238E27FC236}">
+                <a16:creationId xmlns:a16="http://schemas.microsoft.com/office/drawing/2014/main" id="{195755E5-645D-384D-BCDE-3BB1066170A2}"/>
+              </a:ext>
+            </a:extLst>
+          </p:cNvPr>
+          <p:cNvPicPr>
+            <a:picLocks noChangeAspect="1"/>
+          </p:cNvPicPr>
+          <p:nvPr/>
+        </p:nvPicPr>
+        <p:blipFill>
+          <a:blip r:embed="rId2"/>
+          <a:stretch>
+            <a:fillRect/>
+          </a:stretch>
+        </p:blipFill>
+        <p:spPr>
+          <a:xfrm>
+            <a:off x="1244492" y="3718840"/>
+            <a:ext cx="7099300" cy="1435100"/>
+          </a:xfrm>
+          <a:prstGeom prst="rect">
+            <a:avLst/>
+          </a:prstGeom>
+        </p:spPr>
+      </p:pic>
+    </p:spTree>
+    <p:extLst>
+      <p:ext uri="{BB962C8B-B14F-4D97-AF65-F5344CB8AC3E}">
+        <p14:creationId xmlns:p14="http://schemas.microsoft.com/office/powerpoint/2010/main" val="1876328764"/>
+      </p:ext>
+    </p:extLst>
+  </p:cSld>
+  <p:clrMapOvr>
+    <a:masterClrMapping/>
+  </p:clrMapOvr>
+</p:sld>
+</file>
+
 <file path=ppt/slides/slide2.xml><?xml version="1.0" encoding="utf-8"?>
 <p:sld xmlns:a="http://schemas.openxmlformats.org/drawingml/2006/main" xmlns:r="http://schemas.openxmlformats.org/officeDocument/2006/relationships" xmlns:p="http://schemas.openxmlformats.org/presentationml/2006/main">
   <p:cSld>
@@ -4255,6 +5523,463 @@
     <p:extLst>
       <p:ext uri="{BB962C8B-B14F-4D97-AF65-F5344CB8AC3E}">
         <p14:creationId xmlns:p14="http://schemas.microsoft.com/office/powerpoint/2010/main" val="2966479303"/>
+      </p:ext>
+    </p:extLst>
+  </p:cSld>
+  <p:clrMapOvr>
+    <a:masterClrMapping/>
+  </p:clrMapOvr>
+</p:sld>
+</file>
+
+<file path=ppt/slides/slide20.xml><?xml version="1.0" encoding="utf-8"?>
+<p:sld xmlns:a="http://schemas.openxmlformats.org/drawingml/2006/main" xmlns:r="http://schemas.openxmlformats.org/officeDocument/2006/relationships" xmlns:p="http://schemas.openxmlformats.org/presentationml/2006/main">
+  <p:cSld>
+    <p:spTree>
+      <p:nvGrpSpPr>
+        <p:cNvPr id="1" name=""/>
+        <p:cNvGrpSpPr/>
+        <p:nvPr/>
+      </p:nvGrpSpPr>
+      <p:grpSpPr>
+        <a:xfrm>
+          <a:off x="0" y="0"/>
+          <a:ext cx="0" cy="0"/>
+          <a:chOff x="0" y="0"/>
+          <a:chExt cx="0" cy="0"/>
+        </a:xfrm>
+      </p:grpSpPr>
+      <p:sp>
+        <p:nvSpPr>
+          <p:cNvPr id="2" name="Title 1">
+            <a:extLst>
+              <a:ext uri="{FF2B5EF4-FFF2-40B4-BE49-F238E27FC236}">
+                <a16:creationId xmlns:a16="http://schemas.microsoft.com/office/drawing/2014/main" id="{FC7D1D7B-50E9-3641-A308-3A22537571DC}"/>
+              </a:ext>
+            </a:extLst>
+          </p:cNvPr>
+          <p:cNvSpPr>
+            <a:spLocks noGrp="1"/>
+          </p:cNvSpPr>
+          <p:nvPr>
+            <p:ph type="title"/>
+          </p:nvPr>
+        </p:nvSpPr>
+        <p:spPr/>
+        <p:txBody>
+          <a:bodyPr/>
+          <a:lstStyle/>
+          <a:p>
+            <a:r>
+              <a:rPr lang="en-US" dirty="0"/>
+              <a:t>Recursive </a:t>
+            </a:r>
+            <a:r>
+              <a:rPr lang="en-US" dirty="0" err="1"/>
+              <a:t>ray_color</a:t>
+            </a:r>
+            <a:endParaRPr lang="en-US" dirty="0"/>
+          </a:p>
+        </p:txBody>
+      </p:sp>
+      <p:sp>
+        <p:nvSpPr>
+          <p:cNvPr id="3" name="Content Placeholder 2">
+            <a:extLst>
+              <a:ext uri="{FF2B5EF4-FFF2-40B4-BE49-F238E27FC236}">
+                <a16:creationId xmlns:a16="http://schemas.microsoft.com/office/drawing/2014/main" id="{6B88B9EE-1CD5-4F4E-813D-B74199FF5323}"/>
+              </a:ext>
+            </a:extLst>
+          </p:cNvPr>
+          <p:cNvSpPr>
+            <a:spLocks noGrp="1"/>
+          </p:cNvSpPr>
+          <p:nvPr>
+            <p:ph idx="1"/>
+          </p:nvPr>
+        </p:nvSpPr>
+        <p:spPr/>
+        <p:txBody>
+          <a:bodyPr/>
+          <a:lstStyle/>
+          <a:p>
+            <a:r>
+              <a:rPr lang="en-US" dirty="0"/>
+              <a:t>Limit the number of child rays by depth.</a:t>
+            </a:r>
+          </a:p>
+        </p:txBody>
+      </p:sp>
+      <p:pic>
+        <p:nvPicPr>
+          <p:cNvPr id="7" name="Picture 6">
+            <a:extLst>
+              <a:ext uri="{FF2B5EF4-FFF2-40B4-BE49-F238E27FC236}">
+                <a16:creationId xmlns:a16="http://schemas.microsoft.com/office/drawing/2014/main" id="{D205FE7D-A412-4248-999F-93C5542FEDBC}"/>
+              </a:ext>
+            </a:extLst>
+          </p:cNvPr>
+          <p:cNvPicPr>
+            <a:picLocks noChangeAspect="1"/>
+          </p:cNvPicPr>
+          <p:nvPr/>
+        </p:nvPicPr>
+        <p:blipFill>
+          <a:blip r:embed="rId2"/>
+          <a:stretch>
+            <a:fillRect/>
+          </a:stretch>
+        </p:blipFill>
+        <p:spPr>
+          <a:xfrm>
+            <a:off x="7244117" y="3894965"/>
+            <a:ext cx="4947883" cy="2936929"/>
+          </a:xfrm>
+          <a:prstGeom prst="rect">
+            <a:avLst/>
+          </a:prstGeom>
+        </p:spPr>
+      </p:pic>
+      <p:pic>
+        <p:nvPicPr>
+          <p:cNvPr id="5" name="Picture 4">
+            <a:extLst>
+              <a:ext uri="{FF2B5EF4-FFF2-40B4-BE49-F238E27FC236}">
+                <a16:creationId xmlns:a16="http://schemas.microsoft.com/office/drawing/2014/main" id="{923824F7-AA05-CA4E-8FD3-EE3B8666BC69}"/>
+              </a:ext>
+            </a:extLst>
+          </p:cNvPr>
+          <p:cNvPicPr>
+            <a:picLocks noChangeAspect="1"/>
+          </p:cNvPicPr>
+          <p:nvPr/>
+        </p:nvPicPr>
+        <p:blipFill>
+          <a:blip r:embed="rId3"/>
+          <a:stretch>
+            <a:fillRect/>
+          </a:stretch>
+        </p:blipFill>
+        <p:spPr>
+          <a:xfrm>
+            <a:off x="1167287" y="2308104"/>
+            <a:ext cx="7837230" cy="2241791"/>
+          </a:xfrm>
+          <a:prstGeom prst="rect">
+            <a:avLst/>
+          </a:prstGeom>
+        </p:spPr>
+      </p:pic>
+    </p:spTree>
+    <p:extLst>
+      <p:ext uri="{BB962C8B-B14F-4D97-AF65-F5344CB8AC3E}">
+        <p14:creationId xmlns:p14="http://schemas.microsoft.com/office/powerpoint/2010/main" val="3734634576"/>
+      </p:ext>
+    </p:extLst>
+  </p:cSld>
+  <p:clrMapOvr>
+    <a:masterClrMapping/>
+  </p:clrMapOvr>
+</p:sld>
+</file>
+
+<file path=ppt/slides/slide21.xml><?xml version="1.0" encoding="utf-8"?>
+<p:sld xmlns:a="http://schemas.openxmlformats.org/drawingml/2006/main" xmlns:r="http://schemas.openxmlformats.org/officeDocument/2006/relationships" xmlns:p="http://schemas.openxmlformats.org/presentationml/2006/main">
+  <p:cSld>
+    <p:spTree>
+      <p:nvGrpSpPr>
+        <p:cNvPr id="1" name=""/>
+        <p:cNvGrpSpPr/>
+        <p:nvPr/>
+      </p:nvGrpSpPr>
+      <p:grpSpPr>
+        <a:xfrm>
+          <a:off x="0" y="0"/>
+          <a:ext cx="0" cy="0"/>
+          <a:chOff x="0" y="0"/>
+          <a:chExt cx="0" cy="0"/>
+        </a:xfrm>
+      </p:grpSpPr>
+      <p:sp>
+        <p:nvSpPr>
+          <p:cNvPr id="2" name="Title 1">
+            <a:extLst>
+              <a:ext uri="{FF2B5EF4-FFF2-40B4-BE49-F238E27FC236}">
+                <a16:creationId xmlns:a16="http://schemas.microsoft.com/office/drawing/2014/main" id="{BE177074-410B-A546-B50E-37DF6A37826D}"/>
+              </a:ext>
+            </a:extLst>
+          </p:cNvPr>
+          <p:cNvSpPr>
+            <a:spLocks noGrp="1"/>
+          </p:cNvSpPr>
+          <p:nvPr>
+            <p:ph type="title"/>
+          </p:nvPr>
+        </p:nvSpPr>
+        <p:spPr/>
+        <p:txBody>
+          <a:bodyPr/>
+          <a:lstStyle/>
+          <a:p>
+            <a:r>
+              <a:rPr lang="en-US" dirty="0"/>
+              <a:t>Gamma correction for accurate color intensity</a:t>
+            </a:r>
+          </a:p>
+        </p:txBody>
+      </p:sp>
+      <p:sp>
+        <p:nvSpPr>
+          <p:cNvPr id="3" name="Content Placeholder 2">
+            <a:extLst>
+              <a:ext uri="{FF2B5EF4-FFF2-40B4-BE49-F238E27FC236}">
+                <a16:creationId xmlns:a16="http://schemas.microsoft.com/office/drawing/2014/main" id="{F6B00C84-5762-464F-8BE2-843449D5B8CE}"/>
+              </a:ext>
+            </a:extLst>
+          </p:cNvPr>
+          <p:cNvSpPr>
+            <a:spLocks noGrp="1"/>
+          </p:cNvSpPr>
+          <p:nvPr>
+            <p:ph idx="1"/>
+          </p:nvPr>
+        </p:nvSpPr>
+        <p:spPr/>
+        <p:txBody>
+          <a:bodyPr/>
+          <a:lstStyle/>
+          <a:p>
+            <a:r>
+              <a:rPr lang="en-US" dirty="0"/>
+              <a:t>meaning the 0 to 1 values have some transform before being stored as a byte</a:t>
+            </a:r>
+          </a:p>
+          <a:p>
+            <a:r>
+              <a:rPr lang="en-US" dirty="0"/>
+              <a:t>use “gamma 2” which means raising the color to the power 1/𝑔𝑎𝑚𝑚𝑎, or in our simple case ½, which is just square-root:</a:t>
+            </a:r>
+          </a:p>
+        </p:txBody>
+      </p:sp>
+      <p:pic>
+        <p:nvPicPr>
+          <p:cNvPr id="5" name="Picture 4">
+            <a:extLst>
+              <a:ext uri="{FF2B5EF4-FFF2-40B4-BE49-F238E27FC236}">
+                <a16:creationId xmlns:a16="http://schemas.microsoft.com/office/drawing/2014/main" id="{5100291E-67D2-2B4A-8030-0FFE98916B58}"/>
+              </a:ext>
+            </a:extLst>
+          </p:cNvPr>
+          <p:cNvPicPr>
+            <a:picLocks noChangeAspect="1"/>
+          </p:cNvPicPr>
+          <p:nvPr/>
+        </p:nvPicPr>
+        <p:blipFill>
+          <a:blip r:embed="rId2"/>
+          <a:stretch>
+            <a:fillRect/>
+          </a:stretch>
+        </p:blipFill>
+        <p:spPr>
+          <a:xfrm>
+            <a:off x="838200" y="3626002"/>
+            <a:ext cx="7538923" cy="3231998"/>
+          </a:xfrm>
+          <a:prstGeom prst="rect">
+            <a:avLst/>
+          </a:prstGeom>
+        </p:spPr>
+      </p:pic>
+      <p:pic>
+        <p:nvPicPr>
+          <p:cNvPr id="7" name="Picture 6">
+            <a:extLst>
+              <a:ext uri="{FF2B5EF4-FFF2-40B4-BE49-F238E27FC236}">
+                <a16:creationId xmlns:a16="http://schemas.microsoft.com/office/drawing/2014/main" id="{7A2163AB-1EFF-0748-82C3-D64F583D7AC1}"/>
+              </a:ext>
+            </a:extLst>
+          </p:cNvPr>
+          <p:cNvPicPr>
+            <a:picLocks noChangeAspect="1"/>
+          </p:cNvPicPr>
+          <p:nvPr/>
+        </p:nvPicPr>
+        <p:blipFill>
+          <a:blip r:embed="rId3"/>
+          <a:stretch>
+            <a:fillRect/>
+          </a:stretch>
+        </p:blipFill>
+        <p:spPr>
+          <a:xfrm>
+            <a:off x="7697921" y="4001294"/>
+            <a:ext cx="4335081" cy="2601884"/>
+          </a:xfrm>
+          <a:prstGeom prst="rect">
+            <a:avLst/>
+          </a:prstGeom>
+        </p:spPr>
+      </p:pic>
+    </p:spTree>
+    <p:extLst>
+      <p:ext uri="{BB962C8B-B14F-4D97-AF65-F5344CB8AC3E}">
+        <p14:creationId xmlns:p14="http://schemas.microsoft.com/office/powerpoint/2010/main" val="4128653902"/>
+      </p:ext>
+    </p:extLst>
+  </p:cSld>
+  <p:clrMapOvr>
+    <a:masterClrMapping/>
+  </p:clrMapOvr>
+</p:sld>
+</file>
+
+<file path=ppt/slides/slide22.xml><?xml version="1.0" encoding="utf-8"?>
+<p:sld xmlns:a="http://schemas.openxmlformats.org/drawingml/2006/main" xmlns:r="http://schemas.openxmlformats.org/officeDocument/2006/relationships" xmlns:p="http://schemas.openxmlformats.org/presentationml/2006/main">
+  <p:cSld>
+    <p:spTree>
+      <p:nvGrpSpPr>
+        <p:cNvPr id="1" name=""/>
+        <p:cNvGrpSpPr/>
+        <p:nvPr/>
+      </p:nvGrpSpPr>
+      <p:grpSpPr>
+        <a:xfrm>
+          <a:off x="0" y="0"/>
+          <a:ext cx="0" cy="0"/>
+          <a:chOff x="0" y="0"/>
+          <a:chExt cx="0" cy="0"/>
+        </a:xfrm>
+      </p:grpSpPr>
+      <p:sp>
+        <p:nvSpPr>
+          <p:cNvPr id="2" name="Title 1">
+            <a:extLst>
+              <a:ext uri="{FF2B5EF4-FFF2-40B4-BE49-F238E27FC236}">
+                <a16:creationId xmlns:a16="http://schemas.microsoft.com/office/drawing/2014/main" id="{4621BCB1-07EA-A240-9C39-B18AD3E57786}"/>
+              </a:ext>
+            </a:extLst>
+          </p:cNvPr>
+          <p:cNvSpPr>
+            <a:spLocks noGrp="1"/>
+          </p:cNvSpPr>
+          <p:nvPr>
+            <p:ph type="title"/>
+          </p:nvPr>
+        </p:nvSpPr>
+        <p:spPr/>
+        <p:txBody>
+          <a:bodyPr/>
+          <a:lstStyle/>
+          <a:p>
+            <a:r>
+              <a:rPr lang="en-US" dirty="0"/>
+              <a:t>Shadow acne problem</a:t>
+            </a:r>
+          </a:p>
+        </p:txBody>
+      </p:sp>
+      <p:sp>
+        <p:nvSpPr>
+          <p:cNvPr id="3" name="Content Placeholder 2">
+            <a:extLst>
+              <a:ext uri="{FF2B5EF4-FFF2-40B4-BE49-F238E27FC236}">
+                <a16:creationId xmlns:a16="http://schemas.microsoft.com/office/drawing/2014/main" id="{3ED690F0-FF89-824D-8B7F-C1AC8B594E8A}"/>
+              </a:ext>
+            </a:extLst>
+          </p:cNvPr>
+          <p:cNvSpPr>
+            <a:spLocks noGrp="1"/>
+          </p:cNvSpPr>
+          <p:nvPr>
+            <p:ph idx="1"/>
+          </p:nvPr>
+        </p:nvSpPr>
+        <p:spPr/>
+        <p:txBody>
+          <a:bodyPr/>
+          <a:lstStyle/>
+          <a:p>
+            <a:r>
+              <a:rPr lang="en-US" dirty="0"/>
+              <a:t>Some of the reflected rays hit the object they are reflecting off of not at exactly 𝑡=0t=0, but instead at 𝑡=−0.0000001t=−0.0000001 or 𝑡=0.00000001t=0.00000001 or whatever floating point approximation the sphere </a:t>
+            </a:r>
+            <a:r>
+              <a:rPr lang="en-US" dirty="0" err="1"/>
+              <a:t>intersector</a:t>
+            </a:r>
+            <a:r>
+              <a:rPr lang="en-US" dirty="0"/>
+              <a:t> gives us. So we need to ignore hits very near zero:</a:t>
+            </a:r>
+          </a:p>
+        </p:txBody>
+      </p:sp>
+      <p:pic>
+        <p:nvPicPr>
+          <p:cNvPr id="5" name="Picture 4">
+            <a:extLst>
+              <a:ext uri="{FF2B5EF4-FFF2-40B4-BE49-F238E27FC236}">
+                <a16:creationId xmlns:a16="http://schemas.microsoft.com/office/drawing/2014/main" id="{E19D0497-F4D8-4F4A-B490-5504BB7CB595}"/>
+              </a:ext>
+            </a:extLst>
+          </p:cNvPr>
+          <p:cNvPicPr>
+            <a:picLocks noChangeAspect="1"/>
+          </p:cNvPicPr>
+          <p:nvPr/>
+        </p:nvPicPr>
+        <p:blipFill>
+          <a:blip r:embed="rId2"/>
+          <a:stretch>
+            <a:fillRect/>
+          </a:stretch>
+        </p:blipFill>
+        <p:spPr>
+          <a:xfrm>
+            <a:off x="1191606" y="3869573"/>
+            <a:ext cx="6616700" cy="685800"/>
+          </a:xfrm>
+          <a:prstGeom prst="rect">
+            <a:avLst/>
+          </a:prstGeom>
+        </p:spPr>
+      </p:pic>
+      <p:pic>
+        <p:nvPicPr>
+          <p:cNvPr id="7" name="Picture 6">
+            <a:extLst>
+              <a:ext uri="{FF2B5EF4-FFF2-40B4-BE49-F238E27FC236}">
+                <a16:creationId xmlns:a16="http://schemas.microsoft.com/office/drawing/2014/main" id="{69914354-6ECF-924E-B20A-C795BF3E4614}"/>
+              </a:ext>
+            </a:extLst>
+          </p:cNvPr>
+          <p:cNvPicPr>
+            <a:picLocks noChangeAspect="1"/>
+          </p:cNvPicPr>
+          <p:nvPr/>
+        </p:nvPicPr>
+        <p:blipFill>
+          <a:blip r:embed="rId3"/>
+          <a:stretch>
+            <a:fillRect/>
+          </a:stretch>
+        </p:blipFill>
+        <p:spPr>
+          <a:xfrm>
+            <a:off x="1191606" y="4555373"/>
+            <a:ext cx="7774459" cy="2121001"/>
+          </a:xfrm>
+          <a:prstGeom prst="rect">
+            <a:avLst/>
+          </a:prstGeom>
+        </p:spPr>
+      </p:pic>
+    </p:spTree>
+    <p:extLst>
+      <p:ext uri="{BB962C8B-B14F-4D97-AF65-F5344CB8AC3E}">
+        <p14:creationId xmlns:p14="http://schemas.microsoft.com/office/powerpoint/2010/main" val="3452856111"/>
       </p:ext>
     </p:extLst>
   </p:cSld>
